--- a/UI Mock Up.pptx
+++ b/UI Mock Up.pptx
@@ -259,7 +259,7 @@
           <a:p>
             <a:fld id="{5AE17FB2-C34C-409C-B2FA-2B929CEAD7FA}" type="datetimeFigureOut">
               <a:rPr lang="en-US" smtClean="0"/>
-              <a:t>11/24/2025</a:t>
+              <a:t>11/25/2025</a:t>
             </a:fld>
             <a:endParaRPr lang="en-US"/>
           </a:p>
@@ -457,7 +457,7 @@
           <a:p>
             <a:fld id="{5AE17FB2-C34C-409C-B2FA-2B929CEAD7FA}" type="datetimeFigureOut">
               <a:rPr lang="en-US" smtClean="0"/>
-              <a:t>11/24/2025</a:t>
+              <a:t>11/25/2025</a:t>
             </a:fld>
             <a:endParaRPr lang="en-US"/>
           </a:p>
@@ -665,7 +665,7 @@
           <a:p>
             <a:fld id="{5AE17FB2-C34C-409C-B2FA-2B929CEAD7FA}" type="datetimeFigureOut">
               <a:rPr lang="en-US" smtClean="0"/>
-              <a:t>11/24/2025</a:t>
+              <a:t>11/25/2025</a:t>
             </a:fld>
             <a:endParaRPr lang="en-US"/>
           </a:p>
@@ -863,7 +863,7 @@
           <a:p>
             <a:fld id="{5AE17FB2-C34C-409C-B2FA-2B929CEAD7FA}" type="datetimeFigureOut">
               <a:rPr lang="en-US" smtClean="0"/>
-              <a:t>11/24/2025</a:t>
+              <a:t>11/25/2025</a:t>
             </a:fld>
             <a:endParaRPr lang="en-US"/>
           </a:p>
@@ -1138,7 +1138,7 @@
           <a:p>
             <a:fld id="{5AE17FB2-C34C-409C-B2FA-2B929CEAD7FA}" type="datetimeFigureOut">
               <a:rPr lang="en-US" smtClean="0"/>
-              <a:t>11/24/2025</a:t>
+              <a:t>11/25/2025</a:t>
             </a:fld>
             <a:endParaRPr lang="en-US"/>
           </a:p>
@@ -1403,7 +1403,7 @@
           <a:p>
             <a:fld id="{5AE17FB2-C34C-409C-B2FA-2B929CEAD7FA}" type="datetimeFigureOut">
               <a:rPr lang="en-US" smtClean="0"/>
-              <a:t>11/24/2025</a:t>
+              <a:t>11/25/2025</a:t>
             </a:fld>
             <a:endParaRPr lang="en-US"/>
           </a:p>
@@ -1815,7 +1815,7 @@
           <a:p>
             <a:fld id="{5AE17FB2-C34C-409C-B2FA-2B929CEAD7FA}" type="datetimeFigureOut">
               <a:rPr lang="en-US" smtClean="0"/>
-              <a:t>11/24/2025</a:t>
+              <a:t>11/25/2025</a:t>
             </a:fld>
             <a:endParaRPr lang="en-US"/>
           </a:p>
@@ -1956,7 +1956,7 @@
           <a:p>
             <a:fld id="{5AE17FB2-C34C-409C-B2FA-2B929CEAD7FA}" type="datetimeFigureOut">
               <a:rPr lang="en-US" smtClean="0"/>
-              <a:t>11/24/2025</a:t>
+              <a:t>11/25/2025</a:t>
             </a:fld>
             <a:endParaRPr lang="en-US"/>
           </a:p>
@@ -2069,7 +2069,7 @@
           <a:p>
             <a:fld id="{5AE17FB2-C34C-409C-B2FA-2B929CEAD7FA}" type="datetimeFigureOut">
               <a:rPr lang="en-US" smtClean="0"/>
-              <a:t>11/24/2025</a:t>
+              <a:t>11/25/2025</a:t>
             </a:fld>
             <a:endParaRPr lang="en-US"/>
           </a:p>
@@ -2380,7 +2380,7 @@
           <a:p>
             <a:fld id="{5AE17FB2-C34C-409C-B2FA-2B929CEAD7FA}" type="datetimeFigureOut">
               <a:rPr lang="en-US" smtClean="0"/>
-              <a:t>11/24/2025</a:t>
+              <a:t>11/25/2025</a:t>
             </a:fld>
             <a:endParaRPr lang="en-US"/>
           </a:p>
@@ -2668,7 +2668,7 @@
           <a:p>
             <a:fld id="{5AE17FB2-C34C-409C-B2FA-2B929CEAD7FA}" type="datetimeFigureOut">
               <a:rPr lang="en-US" smtClean="0"/>
-              <a:t>11/24/2025</a:t>
+              <a:t>11/25/2025</a:t>
             </a:fld>
             <a:endParaRPr lang="en-US"/>
           </a:p>
@@ -2909,7 +2909,7 @@
           <a:p>
             <a:fld id="{5AE17FB2-C34C-409C-B2FA-2B929CEAD7FA}" type="datetimeFigureOut">
               <a:rPr lang="en-US" smtClean="0"/>
-              <a:t>11/24/2025</a:t>
+              <a:t>11/25/2025</a:t>
             </a:fld>
             <a:endParaRPr lang="en-US"/>
           </a:p>
@@ -3822,6 +3822,455 @@
           </a:p>
         </p:txBody>
       </p:sp>
+      <p:sp>
+        <p:nvSpPr>
+          <p:cNvPr id="3" name="Rectangle 2">
+            <a:extLst>
+              <a:ext uri="{FF2B5EF4-FFF2-40B4-BE49-F238E27FC236}">
+                <a16:creationId xmlns:a16="http://schemas.microsoft.com/office/drawing/2014/main" id="{95E07D5D-C605-E5A2-956B-DA29B5716526}"/>
+              </a:ext>
+            </a:extLst>
+          </p:cNvPr>
+          <p:cNvSpPr/>
+          <p:nvPr/>
+        </p:nvSpPr>
+        <p:spPr>
+          <a:xfrm>
+            <a:off x="4619834" y="1497690"/>
+            <a:ext cx="5440680" cy="3315276"/>
+          </a:xfrm>
+          <a:prstGeom prst="rect">
+            <a:avLst/>
+          </a:prstGeom>
+          <a:solidFill>
+            <a:schemeClr val="bg1"/>
+          </a:solidFill>
+          <a:ln w="57150">
+            <a:solidFill>
+              <a:schemeClr val="tx1"/>
+            </a:solidFill>
+          </a:ln>
+        </p:spPr>
+        <p:style>
+          <a:lnRef idx="2">
+            <a:schemeClr val="accent1">
+              <a:shade val="15000"/>
+            </a:schemeClr>
+          </a:lnRef>
+          <a:fillRef idx="1">
+            <a:schemeClr val="accent1"/>
+          </a:fillRef>
+          <a:effectRef idx="0">
+            <a:schemeClr val="accent1"/>
+          </a:effectRef>
+          <a:fontRef idx="minor">
+            <a:schemeClr val="lt1"/>
+          </a:fontRef>
+        </p:style>
+        <p:txBody>
+          <a:bodyPr rtlCol="0" anchor="ctr"/>
+          <a:lstStyle/>
+          <a:p>
+            <a:pPr algn="ctr"/>
+            <a:endParaRPr lang="en-US"/>
+          </a:p>
+        </p:txBody>
+      </p:sp>
+      <p:sp>
+        <p:nvSpPr>
+          <p:cNvPr id="4" name="TextBox 3">
+            <a:extLst>
+              <a:ext uri="{FF2B5EF4-FFF2-40B4-BE49-F238E27FC236}">
+                <a16:creationId xmlns:a16="http://schemas.microsoft.com/office/drawing/2014/main" id="{A596D771-58DE-1B13-3738-D6E9A6C27E50}"/>
+              </a:ext>
+            </a:extLst>
+          </p:cNvPr>
+          <p:cNvSpPr txBox="1"/>
+          <p:nvPr/>
+        </p:nvSpPr>
+        <p:spPr>
+          <a:xfrm>
+            <a:off x="4764024" y="1608823"/>
+            <a:ext cx="5111496" cy="2914452"/>
+          </a:xfrm>
+          <a:prstGeom prst="rect">
+            <a:avLst/>
+          </a:prstGeom>
+          <a:noFill/>
+        </p:spPr>
+        <p:txBody>
+          <a:bodyPr wrap="square" rtlCol="0">
+            <a:spAutoFit/>
+          </a:bodyPr>
+          <a:lstStyle/>
+          <a:p>
+            <a:pPr algn="ctr">
+              <a:lnSpc>
+                <a:spcPct val="200000"/>
+              </a:lnSpc>
+            </a:pPr>
+            <a:r>
+              <a:rPr lang="en-US" sz="3200" dirty="0">
+                <a:solidFill>
+                  <a:srgbClr val="439ED4"/>
+                </a:solidFill>
+              </a:rPr>
+              <a:t>This is my first line of text.</a:t>
+            </a:r>
+          </a:p>
+          <a:p>
+            <a:pPr algn="ctr">
+              <a:lnSpc>
+                <a:spcPct val="200000"/>
+              </a:lnSpc>
+            </a:pPr>
+            <a:r>
+              <a:rPr lang="en-US" sz="3200" dirty="0"/>
+              <a:t>This is a second line.</a:t>
+            </a:r>
+          </a:p>
+          <a:p>
+            <a:pPr algn="ctr">
+              <a:lnSpc>
+                <a:spcPct val="200000"/>
+              </a:lnSpc>
+            </a:pPr>
+            <a:r>
+              <a:rPr lang="en-US" sz="3200" dirty="0"/>
+              <a:t>And so on….</a:t>
+            </a:r>
+          </a:p>
+        </p:txBody>
+      </p:sp>
+      <p:grpSp>
+        <p:nvGrpSpPr>
+          <p:cNvPr id="25" name="Group 24">
+            <a:extLst>
+              <a:ext uri="{FF2B5EF4-FFF2-40B4-BE49-F238E27FC236}">
+                <a16:creationId xmlns:a16="http://schemas.microsoft.com/office/drawing/2014/main" id="{8955925D-4DCC-94D2-252B-CF4A15D63098}"/>
+              </a:ext>
+            </a:extLst>
+          </p:cNvPr>
+          <p:cNvGrpSpPr/>
+          <p:nvPr/>
+        </p:nvGrpSpPr>
+        <p:grpSpPr>
+          <a:xfrm>
+            <a:off x="11080751" y="188094"/>
+            <a:ext cx="868658" cy="843012"/>
+            <a:chOff x="11080751" y="609600"/>
+            <a:chExt cx="868658" cy="843012"/>
+          </a:xfrm>
+        </p:grpSpPr>
+        <p:sp>
+          <p:nvSpPr>
+            <p:cNvPr id="5" name="Rectangle 4">
+              <a:extLst>
+                <a:ext uri="{FF2B5EF4-FFF2-40B4-BE49-F238E27FC236}">
+                  <a16:creationId xmlns:a16="http://schemas.microsoft.com/office/drawing/2014/main" id="{6CDFE90E-CCF7-DF35-0A17-A9F9D29E80FF}"/>
+                </a:ext>
+              </a:extLst>
+            </p:cNvPr>
+            <p:cNvSpPr/>
+            <p:nvPr/>
+          </p:nvSpPr>
+          <p:spPr>
+            <a:xfrm>
+              <a:off x="11080751" y="609600"/>
+              <a:ext cx="621792" cy="562008"/>
+            </a:xfrm>
+            <a:prstGeom prst="rect">
+              <a:avLst/>
+            </a:prstGeom>
+            <a:solidFill>
+              <a:schemeClr val="bg1"/>
+            </a:solidFill>
+            <a:ln w="38100">
+              <a:solidFill>
+                <a:schemeClr val="tx1"/>
+              </a:solidFill>
+            </a:ln>
+            <a:effectLst>
+              <a:softEdge rad="0"/>
+            </a:effectLst>
+          </p:spPr>
+          <p:style>
+            <a:lnRef idx="2">
+              <a:schemeClr val="accent1">
+                <a:shade val="15000"/>
+              </a:schemeClr>
+            </a:lnRef>
+            <a:fillRef idx="1">
+              <a:schemeClr val="accent1"/>
+            </a:fillRef>
+            <a:effectRef idx="0">
+              <a:schemeClr val="accent1"/>
+            </a:effectRef>
+            <a:fontRef idx="minor">
+              <a:schemeClr val="lt1"/>
+            </a:fontRef>
+          </p:style>
+          <p:txBody>
+            <a:bodyPr rtlCol="0" anchor="ctr"/>
+            <a:lstStyle/>
+            <a:p>
+              <a:pPr algn="ctr"/>
+              <a:endParaRPr lang="en-US"/>
+            </a:p>
+          </p:txBody>
+        </p:sp>
+        <p:cxnSp>
+          <p:nvCxnSpPr>
+            <p:cNvPr id="8" name="Straight Arrow Connector 7">
+              <a:extLst>
+                <a:ext uri="{FF2B5EF4-FFF2-40B4-BE49-F238E27FC236}">
+                  <a16:creationId xmlns:a16="http://schemas.microsoft.com/office/drawing/2014/main" id="{5EB73ED6-6590-DB3A-34F3-5964F1AFA179}"/>
+                </a:ext>
+              </a:extLst>
+            </p:cNvPr>
+            <p:cNvCxnSpPr>
+              <a:cxnSpLocks/>
+            </p:cNvCxnSpPr>
+            <p:nvPr/>
+          </p:nvCxnSpPr>
+          <p:spPr>
+            <a:xfrm>
+              <a:off x="11220450" y="669196"/>
+              <a:ext cx="214333" cy="221408"/>
+            </a:xfrm>
+            <a:prstGeom prst="straightConnector1">
+              <a:avLst/>
+            </a:prstGeom>
+            <a:ln w="38100">
+              <a:solidFill>
+                <a:schemeClr val="tx1"/>
+              </a:solidFill>
+              <a:tailEnd type="triangle"/>
+            </a:ln>
+          </p:spPr>
+          <p:style>
+            <a:lnRef idx="2">
+              <a:schemeClr val="accent1"/>
+            </a:lnRef>
+            <a:fillRef idx="0">
+              <a:schemeClr val="accent1"/>
+            </a:fillRef>
+            <a:effectRef idx="1">
+              <a:schemeClr val="accent1"/>
+            </a:effectRef>
+            <a:fontRef idx="minor">
+              <a:schemeClr val="tx1"/>
+            </a:fontRef>
+          </p:style>
+        </p:cxnSp>
+        <p:sp>
+          <p:nvSpPr>
+            <p:cNvPr id="17" name="Rectangle 16">
+              <a:extLst>
+                <a:ext uri="{FF2B5EF4-FFF2-40B4-BE49-F238E27FC236}">
+                  <a16:creationId xmlns:a16="http://schemas.microsoft.com/office/drawing/2014/main" id="{8DA6FD9A-93D1-C499-01E5-6DD2ABA66B53}"/>
+                </a:ext>
+              </a:extLst>
+            </p:cNvPr>
+            <p:cNvSpPr/>
+            <p:nvPr/>
+          </p:nvSpPr>
+          <p:spPr>
+            <a:xfrm>
+              <a:off x="11327617" y="890604"/>
+              <a:ext cx="621792" cy="562008"/>
+            </a:xfrm>
+            <a:prstGeom prst="rect">
+              <a:avLst/>
+            </a:prstGeom>
+            <a:solidFill>
+              <a:schemeClr val="tx1"/>
+            </a:solidFill>
+            <a:ln w="38100">
+              <a:solidFill>
+                <a:schemeClr val="tx1"/>
+              </a:solidFill>
+            </a:ln>
+            <a:effectLst>
+              <a:softEdge rad="0"/>
+            </a:effectLst>
+          </p:spPr>
+          <p:style>
+            <a:lnRef idx="2">
+              <a:schemeClr val="accent1">
+                <a:shade val="15000"/>
+              </a:schemeClr>
+            </a:lnRef>
+            <a:fillRef idx="1">
+              <a:schemeClr val="accent1"/>
+            </a:fillRef>
+            <a:effectRef idx="0">
+              <a:schemeClr val="accent1"/>
+            </a:effectRef>
+            <a:fontRef idx="minor">
+              <a:schemeClr val="lt1"/>
+            </a:fontRef>
+          </p:style>
+          <p:txBody>
+            <a:bodyPr rtlCol="0" anchor="ctr"/>
+            <a:lstStyle/>
+            <a:p>
+              <a:pPr algn="ctr"/>
+              <a:endParaRPr lang="en-US"/>
+            </a:p>
+          </p:txBody>
+        </p:sp>
+      </p:grpSp>
+      <p:sp>
+        <p:nvSpPr>
+          <p:cNvPr id="26" name="TextBox 25">
+            <a:extLst>
+              <a:ext uri="{FF2B5EF4-FFF2-40B4-BE49-F238E27FC236}">
+                <a16:creationId xmlns:a16="http://schemas.microsoft.com/office/drawing/2014/main" id="{52125B7B-5D3A-0972-FCBD-8B3F1C90F5A7}"/>
+              </a:ext>
+            </a:extLst>
+          </p:cNvPr>
+          <p:cNvSpPr txBox="1"/>
+          <p:nvPr/>
+        </p:nvSpPr>
+        <p:spPr>
+          <a:xfrm>
+            <a:off x="10657543" y="1035111"/>
+            <a:ext cx="1554480" cy="276999"/>
+          </a:xfrm>
+          <a:prstGeom prst="rect">
+            <a:avLst/>
+          </a:prstGeom>
+          <a:noFill/>
+        </p:spPr>
+        <p:txBody>
+          <a:bodyPr wrap="square" rtlCol="0">
+            <a:spAutoFit/>
+          </a:bodyPr>
+          <a:lstStyle/>
+          <a:p>
+            <a:r>
+              <a:rPr lang="en-US" sz="1200" dirty="0">
+                <a:solidFill>
+                  <a:schemeClr val="bg2">
+                    <a:lumMod val="75000"/>
+                  </a:schemeClr>
+                </a:solidFill>
+              </a:rPr>
+              <a:t>Switch to miniplayer</a:t>
+            </a:r>
+          </a:p>
+        </p:txBody>
+      </p:sp>
+      <p:grpSp>
+        <p:nvGrpSpPr>
+          <p:cNvPr id="30" name="Group 29">
+            <a:extLst>
+              <a:ext uri="{FF2B5EF4-FFF2-40B4-BE49-F238E27FC236}">
+                <a16:creationId xmlns:a16="http://schemas.microsoft.com/office/drawing/2014/main" id="{F68EBCA6-E34D-7BC5-86C1-A50C52FBD039}"/>
+              </a:ext>
+            </a:extLst>
+          </p:cNvPr>
+          <p:cNvGrpSpPr/>
+          <p:nvPr/>
+        </p:nvGrpSpPr>
+        <p:grpSpPr>
+          <a:xfrm>
+            <a:off x="7975039" y="5534842"/>
+            <a:ext cx="490964" cy="478032"/>
+            <a:chOff x="7975039" y="5534842"/>
+            <a:chExt cx="490964" cy="478032"/>
+          </a:xfrm>
+        </p:grpSpPr>
+        <p:sp>
+          <p:nvSpPr>
+            <p:cNvPr id="31" name="Oval 30">
+              <a:extLst>
+                <a:ext uri="{FF2B5EF4-FFF2-40B4-BE49-F238E27FC236}">
+                  <a16:creationId xmlns:a16="http://schemas.microsoft.com/office/drawing/2014/main" id="{7E37EE44-985E-76DE-3E16-15BC1D7E977B}"/>
+                </a:ext>
+              </a:extLst>
+            </p:cNvPr>
+            <p:cNvSpPr/>
+            <p:nvPr/>
+          </p:nvSpPr>
+          <p:spPr>
+            <a:xfrm>
+              <a:off x="7975039" y="5534842"/>
+              <a:ext cx="490964" cy="478032"/>
+            </a:xfrm>
+            <a:prstGeom prst="ellipse">
+              <a:avLst/>
+            </a:prstGeom>
+            <a:solidFill>
+              <a:schemeClr val="accent1">
+                <a:lumMod val="40000"/>
+                <a:lumOff val="60000"/>
+              </a:schemeClr>
+            </a:solidFill>
+          </p:spPr>
+          <p:style>
+            <a:lnRef idx="2">
+              <a:schemeClr val="accent1">
+                <a:shade val="15000"/>
+              </a:schemeClr>
+            </a:lnRef>
+            <a:fillRef idx="1">
+              <a:schemeClr val="accent1"/>
+            </a:fillRef>
+            <a:effectRef idx="0">
+              <a:schemeClr val="accent1"/>
+            </a:effectRef>
+            <a:fontRef idx="minor">
+              <a:schemeClr val="lt1"/>
+            </a:fontRef>
+          </p:style>
+          <p:txBody>
+            <a:bodyPr rtlCol="0" anchor="ctr"/>
+            <a:lstStyle/>
+            <a:p>
+              <a:pPr algn="ctr"/>
+              <a:endParaRPr lang="en-US" dirty="0"/>
+            </a:p>
+          </p:txBody>
+        </p:sp>
+        <p:pic>
+          <p:nvPicPr>
+            <p:cNvPr id="32" name="Graphic 31" descr="Bookmark outline">
+              <a:extLst>
+                <a:ext uri="{FF2B5EF4-FFF2-40B4-BE49-F238E27FC236}">
+                  <a16:creationId xmlns:a16="http://schemas.microsoft.com/office/drawing/2014/main" id="{EAD4E462-8DBD-34DB-068C-35E58B896F92}"/>
+                </a:ext>
+              </a:extLst>
+            </p:cNvPr>
+            <p:cNvPicPr>
+              <a:picLocks noChangeAspect="1"/>
+            </p:cNvPicPr>
+            <p:nvPr/>
+          </p:nvPicPr>
+          <p:blipFill>
+            <a:blip r:embed="rId6">
+              <a:extLst>
+                <a:ext uri="{96DAC541-7B7A-43D3-8B79-37D633B846F1}">
+                  <asvg:svgBlip xmlns:asvg="http://schemas.microsoft.com/office/drawing/2016/SVG/main" r:embed="rId7"/>
+                </a:ext>
+              </a:extLst>
+            </a:blip>
+            <a:stretch>
+              <a:fillRect/>
+            </a:stretch>
+          </p:blipFill>
+          <p:spPr>
+            <a:xfrm>
+              <a:off x="8010874" y="5593580"/>
+              <a:ext cx="419294" cy="419294"/>
+            </a:xfrm>
+            <a:prstGeom prst="rect">
+              <a:avLst/>
+            </a:prstGeom>
+          </p:spPr>
+        </p:pic>
+      </p:grpSp>
     </p:spTree>
     <p:extLst>
       <p:ext uri="{BB962C8B-B14F-4D97-AF65-F5344CB8AC3E}">
